--- a/PPTs/Programacion y Laboratorio II-202008.pptx
+++ b/PPTs/Programacion y Laboratorio II-202008.pptx
@@ -209,7 +209,7 @@
           <a:p>
             <a:fld id="{1E6648A2-EA33-47F9-96A0-CE144141342A}" type="datetimeFigureOut">
               <a:rPr lang="es-AR" smtClean="0"/>
-              <a:t>24/8/2020</a:t>
+              <a:t>26/8/2020</a:t>
             </a:fld>
             <a:endParaRPr lang="es-AR"/>
           </a:p>
@@ -1296,7 +1296,7 @@
           <a:p>
             <a:fld id="{78ABE3C1-DBE1-495D-B57B-2849774B866A}" type="datetimeFigureOut">
               <a:rPr lang="en-US" dirty="0"/>
-              <a:t>8/24/2020</a:t>
+              <a:t>8/26/2020</a:t>
             </a:fld>
             <a:endParaRPr lang="en-US" dirty="0"/>
           </a:p>
@@ -1705,7 +1705,7 @@
           <a:p>
             <a:fld id="{446C117F-5CCF-4837-BE5F-2B92066CAFAF}" type="datetimeFigureOut">
               <a:rPr lang="en-US" dirty="0"/>
-              <a:t>8/24/2020</a:t>
+              <a:t>8/26/2020</a:t>
             </a:fld>
             <a:endParaRPr lang="en-US" dirty="0"/>
           </a:p>
@@ -2036,7 +2036,7 @@
           <a:p>
             <a:fld id="{84EB90BD-B6CE-46B7-997F-7313B992CCDC}" type="datetimeFigureOut">
               <a:rPr lang="en-US" dirty="0"/>
-              <a:t>8/24/2020</a:t>
+              <a:t>8/26/2020</a:t>
             </a:fld>
             <a:endParaRPr lang="en-US" dirty="0"/>
           </a:p>
@@ -2436,7 +2436,7 @@
           <a:p>
             <a:fld id="{CDB9D11F-B188-461D-B23F-39381795C052}" type="datetimeFigureOut">
               <a:rPr lang="en-US" dirty="0"/>
-              <a:t>8/24/2020</a:t>
+              <a:t>8/26/2020</a:t>
             </a:fld>
             <a:endParaRPr lang="en-US" dirty="0"/>
           </a:p>
@@ -2999,7 +2999,7 @@
           <a:p>
             <a:fld id="{52E6D8D9-55A2-4063-B0F3-121F44549695}" type="datetimeFigureOut">
               <a:rPr lang="en-US" dirty="0"/>
-              <a:t>8/24/2020</a:t>
+              <a:t>8/26/2020</a:t>
             </a:fld>
             <a:endParaRPr lang="en-US" dirty="0"/>
           </a:p>
@@ -3675,7 +3675,7 @@
           <a:p>
             <a:fld id="{D4B24536-994D-4021-A283-9F449C0DB509}" type="datetimeFigureOut">
               <a:rPr lang="en-US" dirty="0"/>
-              <a:t>8/24/2020</a:t>
+              <a:t>8/26/2020</a:t>
             </a:fld>
             <a:endParaRPr lang="en-US" dirty="0"/>
           </a:p>
@@ -4583,7 +4583,7 @@
           <a:p>
             <a:fld id="{3CBBBB78-C96F-47B7-AB17-D852CA960AC9}" type="datetimeFigureOut">
               <a:rPr lang="en-US" dirty="0"/>
-              <a:t>8/24/2020</a:t>
+              <a:t>8/26/2020</a:t>
             </a:fld>
             <a:endParaRPr lang="en-US" dirty="0"/>
           </a:p>
@@ -4891,7 +4891,7 @@
           <a:p>
             <a:fld id="{1FA3F48C-C7C6-4055-9F49-3777875E72AE}" type="datetimeFigureOut">
               <a:rPr lang="en-US" dirty="0"/>
-              <a:t>8/24/2020</a:t>
+              <a:t>8/26/2020</a:t>
             </a:fld>
             <a:endParaRPr lang="en-US" dirty="0"/>
           </a:p>
@@ -5150,7 +5150,7 @@
           <a:p>
             <a:fld id="{6178E61D-D431-422C-9764-11DAFE33AB63}" type="datetimeFigureOut">
               <a:rPr lang="en-US" dirty="0"/>
-              <a:t>8/24/2020</a:t>
+              <a:t>8/26/2020</a:t>
             </a:fld>
             <a:endParaRPr lang="en-US" dirty="0"/>
           </a:p>
@@ -5469,7 +5469,7 @@
           <a:p>
             <a:fld id="{12DE42F4-6EEF-4EF7-8ED4-2208F0F89A08}" type="datetimeFigureOut">
               <a:rPr lang="en-US" dirty="0"/>
-              <a:t>8/24/2020</a:t>
+              <a:t>8/26/2020</a:t>
             </a:fld>
             <a:endParaRPr lang="en-US" dirty="0"/>
           </a:p>
@@ -5853,7 +5853,7 @@
           <a:p>
             <a:fld id="{30578ACC-22D6-47C1-A373-4FD133E34F3C}" type="datetimeFigureOut">
               <a:rPr lang="en-US" dirty="0"/>
-              <a:t>8/24/2020</a:t>
+              <a:t>8/26/2020</a:t>
             </a:fld>
             <a:endParaRPr lang="en-US" dirty="0"/>
           </a:p>
@@ -6224,7 +6224,7 @@
           <a:p>
             <a:fld id="{4E5A6C69-6797-4E8A-BF37-F2C3751466E9}" type="datetimeFigureOut">
               <a:rPr lang="en-US" dirty="0"/>
-              <a:t>8/24/2020</a:t>
+              <a:t>8/26/2020</a:t>
             </a:fld>
             <a:endParaRPr lang="en-US" dirty="0"/>
           </a:p>
@@ -6725,7 +6725,7 @@
           <a:p>
             <a:fld id="{D82014A1-A632-4878-A0D3-F52BA7563730}" type="datetimeFigureOut">
               <a:rPr lang="en-US" dirty="0"/>
-              <a:t>8/24/2020</a:t>
+              <a:t>8/26/2020</a:t>
             </a:fld>
             <a:endParaRPr lang="en-US" dirty="0"/>
           </a:p>
@@ -6977,7 +6977,7 @@
           <a:p>
             <a:fld id="{CE99F462-093F-4566-844B-4C71F2739DA5}" type="datetimeFigureOut">
               <a:rPr lang="en-US" dirty="0"/>
-              <a:t>8/24/2020</a:t>
+              <a:t>8/26/2020</a:t>
             </a:fld>
             <a:endParaRPr lang="en-US" dirty="0"/>
           </a:p>
@@ -7135,7 +7135,7 @@
           <a:p>
             <a:fld id="{3D24A7AC-904D-4781-85BA-7D10C17ED021}" type="datetimeFigureOut">
               <a:rPr lang="en-US" dirty="0"/>
-              <a:t>8/24/2020</a:t>
+              <a:t>8/26/2020</a:t>
             </a:fld>
             <a:endParaRPr lang="en-US" dirty="0"/>
           </a:p>
@@ -7520,7 +7520,7 @@
           <a:p>
             <a:fld id="{E331444B-B92B-4E27-8C94-BB93EAF5CB18}" type="datetimeFigureOut">
               <a:rPr lang="en-US" dirty="0"/>
-              <a:t>8/24/2020</a:t>
+              <a:t>8/26/2020</a:t>
             </a:fld>
             <a:endParaRPr lang="en-US" dirty="0"/>
           </a:p>
@@ -7924,7 +7924,7 @@
           <a:p>
             <a:fld id="{363EFA5E-FA76-400D-B3DC-F0BA90E6D107}" type="datetimeFigureOut">
               <a:rPr lang="en-US" dirty="0"/>
-              <a:t>8/24/2020</a:t>
+              <a:t>8/26/2020</a:t>
             </a:fld>
             <a:endParaRPr lang="en-US" dirty="0"/>
           </a:p>
@@ -8163,7 +8163,7 @@
           <a:p>
             <a:fld id="{9D6E9DEC-419B-4CC5-A080-3B06BD5A8291}" type="datetimeFigureOut">
               <a:rPr lang="en-US" dirty="0"/>
-              <a:t>8/24/2020</a:t>
+              <a:t>8/26/2020</a:t>
             </a:fld>
             <a:endParaRPr lang="en-US" dirty="0"/>
           </a:p>
@@ -8796,8 +8796,29 @@
                   </a:outerShdw>
                 </a:effectLst>
               </a:rPr>
-              <a:t>Cursada día Jueves: 08 de Octubre y 26 de noviembre (puede adelantarse al 19 por cierre de inscripción a finales) 18:30hs</a:t>
-            </a:r>
+              <a:t>Cursada día Jueves: 08 de Octubre y 19 de </a:t>
+            </a:r>
+            <a:r>
+              <a:rPr lang="es-AR">
+                <a:effectLst>
+                  <a:outerShdw blurRad="38100" dist="38100" dir="2700000" algn="tl">
+                    <a:srgbClr val="000000">
+                      <a:alpha val="43137"/>
+                    </a:srgbClr>
+                  </a:outerShdw>
+                </a:effectLst>
+              </a:rPr>
+              <a:t>noviembre 18:30hs</a:t>
+            </a:r>
+            <a:endParaRPr lang="es-AR" dirty="0">
+              <a:effectLst>
+                <a:outerShdw blurRad="38100" dist="38100" dir="2700000" algn="tl">
+                  <a:srgbClr val="000000">
+                    <a:alpha val="43137"/>
+                  </a:srgbClr>
+                </a:outerShdw>
+              </a:effectLst>
+            </a:endParaRPr>
           </a:p>
           <a:p>
             <a:endParaRPr lang="es-AR" dirty="0"/>
